--- a/Apresentacao-Presentation.pptx
+++ b/Apresentacao-Presentation.pptx
@@ -4232,7 +4232,7 @@
               <a:t>updated</a:t>
             </a:r>
             <a:r>
-              <a:rPr lang="pt-BR" dirty="0">
+              <a:rPr lang="pt-BR">
                 <a:solidFill>
                   <a:schemeClr val="tx1">
                     <a:lumMod val="75000"/>
@@ -4240,30 +4240,16 @@
                   </a:schemeClr>
                 </a:solidFill>
               </a:rPr>
-              <a:t>: 27 DE </a:t>
-            </a:r>
-            <a:r>
-              <a:rPr lang="pt-BR" dirty="0" err="1">
-                <a:solidFill>
-                  <a:schemeClr val="tx1">
-                    <a:lumMod val="75000"/>
-                    <a:lumOff val="25000"/>
-                  </a:schemeClr>
-                </a:solidFill>
-              </a:rPr>
-              <a:t>OUTubro</a:t>
-            </a:r>
-            <a:r>
-              <a:rPr lang="pt-BR" dirty="0">
-                <a:solidFill>
-                  <a:schemeClr val="tx1">
-                    <a:lumMod val="75000"/>
-                    <a:lumOff val="25000"/>
-                  </a:schemeClr>
-                </a:solidFill>
-              </a:rPr>
-              <a:t> de 2023</a:t>
-            </a:r>
+              <a:t>: OCTOBER 27TH, 2023</a:t>
+            </a:r>
+            <a:endParaRPr lang="pt-BR" dirty="0">
+              <a:solidFill>
+                <a:schemeClr val="tx1">
+                  <a:lumMod val="75000"/>
+                  <a:lumOff val="25000"/>
+                </a:schemeClr>
+              </a:solidFill>
+            </a:endParaRPr>
           </a:p>
         </p:txBody>
       </p:sp>
